--- a/Mini-project/Mini-project.pptx
+++ b/Mini-project/Mini-project.pptx
@@ -163,6 +163,7 @@
 <p1510:revInfo xmlns:a="http://schemas.openxmlformats.org/drawingml/2006/main" xmlns:r="http://schemas.openxmlformats.org/officeDocument/2006/relationships" xmlns:p1510="http://schemas.microsoft.com/office/powerpoint/2015/10/main">
   <p1510:revLst>
     <p1510:client id="{31C6A255-F5E7-4DC7-B653-169271F81FDD}" v="642" dt="2024-02-23T03:23:37.197"/>
+    <p1510:client id="{4241C072-7647-47FA-BCD9-B92379E9C61C}" v="4" dt="2024-02-23T19:04:07.014"/>
   </p1510:revLst>
 </p1510:revInfo>
 </file>
@@ -172,10 +173,24 @@
   <pc:docChgLst>
     <pc:chgData name="Nguyen, Han" userId="fd3df032-1fab-44cd-abbd-195cf53ddbd2" providerId="ADAL" clId="{4241C072-7647-47FA-BCD9-B92379E9C61C}"/>
     <pc:docChg chg="addSld modSld">
-      <pc:chgData name="Nguyen, Han" userId="fd3df032-1fab-44cd-abbd-195cf53ddbd2" providerId="ADAL" clId="{4241C072-7647-47FA-BCD9-B92379E9C61C}" dt="2024-02-20T01:25:14.162" v="58" actId="20577"/>
+      <pc:chgData name="Nguyen, Han" userId="fd3df032-1fab-44cd-abbd-195cf53ddbd2" providerId="ADAL" clId="{4241C072-7647-47FA-BCD9-B92379E9C61C}" dt="2024-02-23T19:04:07.014" v="113"/>
       <pc:docMkLst>
         <pc:docMk/>
       </pc:docMkLst>
+      <pc:sldChg chg="modNotesTx">
+        <pc:chgData name="Nguyen, Han" userId="fd3df032-1fab-44cd-abbd-195cf53ddbd2" providerId="ADAL" clId="{4241C072-7647-47FA-BCD9-B92379E9C61C}" dt="2024-02-23T18:51:04.309" v="72" actId="20577"/>
+        <pc:sldMkLst>
+          <pc:docMk/>
+          <pc:sldMk cId="2799327170" sldId="257"/>
+        </pc:sldMkLst>
+      </pc:sldChg>
+      <pc:sldChg chg="modNotesTx">
+        <pc:chgData name="Nguyen, Han" userId="fd3df032-1fab-44cd-abbd-195cf53ddbd2" providerId="ADAL" clId="{4241C072-7647-47FA-BCD9-B92379E9C61C}" dt="2024-02-23T18:56:38.809" v="98" actId="20577"/>
+        <pc:sldMkLst>
+          <pc:docMk/>
+          <pc:sldMk cId="3655756569" sldId="267"/>
+        </pc:sldMkLst>
+      </pc:sldChg>
       <pc:sldChg chg="modSp mod">
         <pc:chgData name="Nguyen, Han" userId="fd3df032-1fab-44cd-abbd-195cf53ddbd2" providerId="ADAL" clId="{4241C072-7647-47FA-BCD9-B92379E9C61C}" dt="2024-02-20T01:15:26.111" v="1" actId="123"/>
         <pc:sldMkLst>
@@ -206,8 +221,8 @@
           </ac:spMkLst>
         </pc:spChg>
       </pc:sldChg>
-      <pc:sldChg chg="modSp add mod">
-        <pc:chgData name="Nguyen, Han" userId="fd3df032-1fab-44cd-abbd-195cf53ddbd2" providerId="ADAL" clId="{4241C072-7647-47FA-BCD9-B92379E9C61C}" dt="2024-02-20T01:23:44.573" v="11" actId="14100"/>
+      <pc:sldChg chg="modSp add mod modNotesTx">
+        <pc:chgData name="Nguyen, Han" userId="fd3df032-1fab-44cd-abbd-195cf53ddbd2" providerId="ADAL" clId="{4241C072-7647-47FA-BCD9-B92379E9C61C}" dt="2024-02-23T18:50:21.804" v="60" actId="20577"/>
         <pc:sldMkLst>
           <pc:docMk/>
           <pc:sldMk cId="4233524465" sldId="270"/>
@@ -221,8 +236,8 @@
           </ac:picMkLst>
         </pc:picChg>
       </pc:sldChg>
-      <pc:sldChg chg="modSp add mod">
-        <pc:chgData name="Nguyen, Han" userId="fd3df032-1fab-44cd-abbd-195cf53ddbd2" providerId="ADAL" clId="{4241C072-7647-47FA-BCD9-B92379E9C61C}" dt="2024-02-20T01:23:39.434" v="9" actId="14100"/>
+      <pc:sldChg chg="modSp add mod modNotesTx">
+        <pc:chgData name="Nguyen, Han" userId="fd3df032-1fab-44cd-abbd-195cf53ddbd2" providerId="ADAL" clId="{4241C072-7647-47FA-BCD9-B92379E9C61C}" dt="2024-02-23T18:53:10.586" v="97" actId="20577"/>
         <pc:sldMkLst>
           <pc:docMk/>
           <pc:sldMk cId="3035921798" sldId="271"/>
@@ -233,6 +248,29 @@
             <pc:docMk/>
             <pc:sldMk cId="3035921798" sldId="271"/>
             <ac:picMk id="15" creationId="{9B46C39B-6046-17B4-7608-FB12B535B1E3}"/>
+          </ac:picMkLst>
+        </pc:picChg>
+      </pc:sldChg>
+      <pc:sldChg chg="addSp modSp mod modAnim modNotesTx">
+        <pc:chgData name="Nguyen, Han" userId="fd3df032-1fab-44cd-abbd-195cf53ddbd2" providerId="ADAL" clId="{4241C072-7647-47FA-BCD9-B92379E9C61C}" dt="2024-02-23T19:04:07.014" v="113"/>
+        <pc:sldMkLst>
+          <pc:docMk/>
+          <pc:sldMk cId="2621092695" sldId="283"/>
+        </pc:sldMkLst>
+        <pc:spChg chg="add mod">
+          <ac:chgData name="Nguyen, Han" userId="fd3df032-1fab-44cd-abbd-195cf53ddbd2" providerId="ADAL" clId="{4241C072-7647-47FA-BCD9-B92379E9C61C}" dt="2024-02-23T19:04:01.775" v="112" actId="1076"/>
+          <ac:spMkLst>
+            <pc:docMk/>
+            <pc:sldMk cId="2621092695" sldId="283"/>
+            <ac:spMk id="2" creationId="{DB387C52-7807-2EDE-CF09-4474E456B41C}"/>
+          </ac:spMkLst>
+        </pc:spChg>
+        <pc:picChg chg="mod">
+          <ac:chgData name="Nguyen, Han" userId="fd3df032-1fab-44cd-abbd-195cf53ddbd2" providerId="ADAL" clId="{4241C072-7647-47FA-BCD9-B92379E9C61C}" dt="2024-02-23T19:03:27.009" v="107" actId="14100"/>
+          <ac:picMkLst>
+            <pc:docMk/>
+            <pc:sldMk cId="2621092695" sldId="283"/>
+            <ac:picMk id="5" creationId="{5A82E76B-4858-872D-4452-043145616E5F}"/>
           </ac:picMkLst>
         </pc:picChg>
       </pc:sldChg>
@@ -2039,7 +2077,7 @@
           <a:p>
             <a:fld id="{3897F3AA-A084-47F6-9882-47029F36976F}" type="datetimeFigureOut">
               <a:rPr lang="en-US" smtClean="0"/>
-              <a:t>2/22/2024</a:t>
+              <a:t>2/23/2024</a:t>
             </a:fld>
             <a:endParaRPr lang="en-US"/>
           </a:p>
@@ -2968,7 +3006,7 @@
           <a:p>
             <a:r>
               <a:rPr lang="en-US" dirty="0"/>
-              <a:t>- All states seem to have a lot of outliers in this tip metric</a:t>
+              <a:t>- All states seem to have a lot of outliers in this trip metric</a:t>
             </a:r>
           </a:p>
         </p:txBody>
@@ -3874,7 +3912,58 @@
           <a:bodyPr/>
           <a:lstStyle/>
           <a:p>
+            <a:r>
+              <a:rPr lang="en-US" b="0" i="0" dirty="0">
+                <a:solidFill>
+                  <a:srgbClr val="BDC1C6"/>
+                </a:solidFill>
+                <a:effectLst/>
+                <a:latin typeface="Roboto" panose="02000000000000000000" pitchFamily="2" charset="0"/>
+              </a:rPr>
+              <a:t>“Strategic developments” as contextually </a:t>
+            </a:r>
+            <a:r>
+              <a:rPr lang="en-US" b="1" i="0" dirty="0">
+                <a:solidFill>
+                  <a:srgbClr val="BCC0C3"/>
+                </a:solidFill>
+                <a:effectLst/>
+                <a:latin typeface="Roboto" panose="02000000000000000000" pitchFamily="2" charset="0"/>
+              </a:rPr>
+              <a:t>important events which may contribute to a state's political disorder and/or may trigger future</a:t>
+            </a:r>
+            <a:r>
+              <a:rPr lang="en-US" b="0" i="0" dirty="0">
+                <a:solidFill>
+                  <a:srgbClr val="BDC1C6"/>
+                </a:solidFill>
+                <a:effectLst/>
+                <a:latin typeface="Roboto" panose="02000000000000000000" pitchFamily="2" charset="0"/>
+              </a:rPr>
+              <a:t> events.</a:t>
+            </a:r>
             <a:endParaRPr lang="en-US" dirty="0"/>
+          </a:p>
+          <a:p>
+            <a:endParaRPr lang="en-US" dirty="0"/>
+          </a:p>
+          <a:p>
+            <a:r>
+              <a:rPr lang="en-US" dirty="0"/>
+              <a:t>‘strategic development’ events can shed light on why you might see a sudden increase in political violence or protests. </a:t>
+            </a:r>
+          </a:p>
+          <a:p>
+            <a:r>
+              <a:rPr lang="en-US" dirty="0"/>
+              <a:t>‘Strategic development’ events can also help to clarify why you might see a decrease in political violence and protests</a:t>
+            </a:r>
+          </a:p>
+          <a:p>
+            <a:r>
+              <a:rPr lang="en-US" dirty="0"/>
+              <a:t>‘Strategic development’ events can be helpful in understanding shifts in dynamics or spatial patterns within a conflict. </a:t>
+            </a:r>
           </a:p>
         </p:txBody>
       </p:sp>
@@ -5202,23 +5291,7 @@
                 <a:effectLst/>
                 <a:latin typeface="Google Sans"/>
               </a:rPr>
-              <a:t>The most common trip distances are under 1 miles, between 1 and 3 miles, and between 3 and 5 miles. There were around 20 million trips in each of these ranges.</a:t>
-            </a:r>
-          </a:p>
-          <a:p>
-            <a:pPr algn="l">
-              <a:buFont typeface="Arial" panose="020B0604020202020204" pitchFamily="34" charset="0"/>
-              <a:buChar char="•"/>
-            </a:pPr>
-            <a:r>
-              <a:rPr lang="en-US" b="0" i="0" dirty="0">
-                <a:solidFill>
-                  <a:srgbClr val="1F1F1F"/>
-                </a:solidFill>
-                <a:effectLst/>
-                <a:latin typeface="Google Sans"/>
-              </a:rPr>
-              <a:t>There were significantly fewer trips longer than 25 miles. There were only about 1.2 million trips between 25 and 50 miles, and fewer for longer than 50 miles.</a:t>
+              <a:t>The most common trip distances are under 1 miles, between 1 and 3 miles, and between 3 and 5 miles. There were significantly fewer trips longer than 25 miles. </a:t>
             </a:r>
           </a:p>
           <a:p>
@@ -5234,7 +5307,7 @@
                 <a:effectLst/>
                 <a:latin typeface="Google Sans"/>
               </a:rPr>
-              <a:t>There were a lot of outliers, which are trips that are much longer or shorter than the majority of trips. And this shows that there is a variation in </a:t>
+              <a:t>There were a lot of outliers, which are trips that are much longer or shorter than the majority of trips. And this shows that there is a variation in each metric</a:t>
             </a:r>
             <a:endParaRPr lang="en-US" dirty="0"/>
           </a:p>
@@ -5332,7 +5405,7 @@
                 <a:effectLst/>
                 <a:latin typeface="Google Sans"/>
               </a:rPr>
-              <a:t>The most common trip distances are under 1 miles, between 1 and 3 miles, and between 3 and 5 miles. There were around 20 million trips in each of these ranges.</a:t>
+              <a:t>There were around 20 million trips in each of these ranges.</a:t>
             </a:r>
           </a:p>
           <a:p>
@@ -5462,27 +5535,11 @@
                 <a:effectLst/>
                 <a:latin typeface="Google Sans"/>
               </a:rPr>
-              <a:t>The most common trip distances are under 1 miles, between 1 and 3 miles, and between 3 and 5 miles. There were around 20 million trips in each of these ranges.</a:t>
+              <a:t>There were around 300-400 thousands daily trips in each of these ranges. </a:t>
             </a:r>
           </a:p>
           <a:p>
             <a:pPr algn="l">
-              <a:buFont typeface="Arial" panose="020B0604020202020204" pitchFamily="34" charset="0"/>
-              <a:buChar char="•"/>
-            </a:pPr>
-            <a:r>
-              <a:rPr lang="en-US" b="0" i="0" dirty="0">
-                <a:solidFill>
-                  <a:srgbClr val="1F1F1F"/>
-                </a:solidFill>
-                <a:effectLst/>
-                <a:latin typeface="Google Sans"/>
-              </a:rPr>
-              <a:t>There were significantly fewer trips longer than 25 miles. There were only about 1.2 million trips between 25 and 50 miles, and fewer for longer than 50 miles.</a:t>
-            </a:r>
-          </a:p>
-          <a:p>
-            <a:pPr marL="171450" indent="-171450" algn="l">
               <a:buFont typeface="Arial" panose="020B0604020202020204" pitchFamily="34" charset="0"/>
               <a:buChar char="•"/>
             </a:pPr>
@@ -5933,7 +5990,7 @@
           <a:p>
             <a:fld id="{BABBBF2D-3796-4413-9440-CB0F6F64DB75}" type="datetimeFigureOut">
               <a:rPr lang="en-US" smtClean="0"/>
-              <a:t>2/22/2024</a:t>
+              <a:t>2/23/2024</a:t>
             </a:fld>
             <a:endParaRPr lang="en-US"/>
           </a:p>
@@ -6103,7 +6160,7 @@
           <a:p>
             <a:fld id="{BABBBF2D-3796-4413-9440-CB0F6F64DB75}" type="datetimeFigureOut">
               <a:rPr lang="en-US" smtClean="0"/>
-              <a:t>2/22/2024</a:t>
+              <a:t>2/23/2024</a:t>
             </a:fld>
             <a:endParaRPr lang="en-US"/>
           </a:p>
@@ -6283,7 +6340,7 @@
           <a:p>
             <a:fld id="{BABBBF2D-3796-4413-9440-CB0F6F64DB75}" type="datetimeFigureOut">
               <a:rPr lang="en-US" smtClean="0"/>
-              <a:t>2/22/2024</a:t>
+              <a:t>2/23/2024</a:t>
             </a:fld>
             <a:endParaRPr lang="en-US"/>
           </a:p>
@@ -6453,7 +6510,7 @@
           <a:p>
             <a:fld id="{BABBBF2D-3796-4413-9440-CB0F6F64DB75}" type="datetimeFigureOut">
               <a:rPr lang="en-US" smtClean="0"/>
-              <a:t>2/22/2024</a:t>
+              <a:t>2/23/2024</a:t>
             </a:fld>
             <a:endParaRPr lang="en-US"/>
           </a:p>
@@ -6699,7 +6756,7 @@
           <a:p>
             <a:fld id="{BABBBF2D-3796-4413-9440-CB0F6F64DB75}" type="datetimeFigureOut">
               <a:rPr lang="en-US" smtClean="0"/>
-              <a:t>2/22/2024</a:t>
+              <a:t>2/23/2024</a:t>
             </a:fld>
             <a:endParaRPr lang="en-US"/>
           </a:p>
@@ -6931,7 +6988,7 @@
           <a:p>
             <a:fld id="{BABBBF2D-3796-4413-9440-CB0F6F64DB75}" type="datetimeFigureOut">
               <a:rPr lang="en-US" smtClean="0"/>
-              <a:t>2/22/2024</a:t>
+              <a:t>2/23/2024</a:t>
             </a:fld>
             <a:endParaRPr lang="en-US"/>
           </a:p>
@@ -7298,7 +7355,7 @@
           <a:p>
             <a:fld id="{BABBBF2D-3796-4413-9440-CB0F6F64DB75}" type="datetimeFigureOut">
               <a:rPr lang="en-US" smtClean="0"/>
-              <a:t>2/22/2024</a:t>
+              <a:t>2/23/2024</a:t>
             </a:fld>
             <a:endParaRPr lang="en-US"/>
           </a:p>
@@ -7416,7 +7473,7 @@
           <a:p>
             <a:fld id="{BABBBF2D-3796-4413-9440-CB0F6F64DB75}" type="datetimeFigureOut">
               <a:rPr lang="en-US" smtClean="0"/>
-              <a:t>2/22/2024</a:t>
+              <a:t>2/23/2024</a:t>
             </a:fld>
             <a:endParaRPr lang="en-US"/>
           </a:p>
@@ -7511,7 +7568,7 @@
           <a:p>
             <a:fld id="{BABBBF2D-3796-4413-9440-CB0F6F64DB75}" type="datetimeFigureOut">
               <a:rPr lang="en-US" smtClean="0"/>
-              <a:t>2/22/2024</a:t>
+              <a:t>2/23/2024</a:t>
             </a:fld>
             <a:endParaRPr lang="en-US"/>
           </a:p>
@@ -7788,7 +7845,7 @@
           <a:p>
             <a:fld id="{BABBBF2D-3796-4413-9440-CB0F6F64DB75}" type="datetimeFigureOut">
               <a:rPr lang="en-US" smtClean="0"/>
-              <a:t>2/22/2024</a:t>
+              <a:t>2/23/2024</a:t>
             </a:fld>
             <a:endParaRPr lang="en-US"/>
           </a:p>
@@ -8045,7 +8102,7 @@
           <a:p>
             <a:fld id="{BABBBF2D-3796-4413-9440-CB0F6F64DB75}" type="datetimeFigureOut">
               <a:rPr lang="en-US" smtClean="0"/>
-              <a:t>2/22/2024</a:t>
+              <a:t>2/23/2024</a:t>
             </a:fld>
             <a:endParaRPr lang="en-US"/>
           </a:p>
@@ -8258,7 +8315,7 @@
           <a:p>
             <a:fld id="{BABBBF2D-3796-4413-9440-CB0F6F64DB75}" type="datetimeFigureOut">
               <a:rPr lang="en-US" smtClean="0"/>
-              <a:t>2/22/2024</a:t>
+              <a:t>2/23/2024</a:t>
             </a:fld>
             <a:endParaRPr lang="en-US"/>
           </a:p>
@@ -14725,10 +14782,48 @@
         <p:spPr>
           <a:xfrm>
             <a:off x="0" y="338435"/>
-            <a:ext cx="12172072" cy="6181130"/>
+            <a:ext cx="12192000" cy="6191250"/>
           </a:xfrm>
         </p:spPr>
       </p:pic>
+      <p:sp>
+        <p:nvSpPr>
+          <p:cNvPr id="2" name="TextBox 1">
+            <a:extLst>
+              <a:ext uri="{FF2B5EF4-FFF2-40B4-BE49-F238E27FC236}">
+                <a16:creationId xmlns:a16="http://schemas.microsoft.com/office/drawing/2014/main" id="{DB387C52-7807-2EDE-CF09-4474E456B41C}"/>
+              </a:ext>
+            </a:extLst>
+          </p:cNvPr>
+          <p:cNvSpPr txBox="1"/>
+          <p:nvPr/>
+        </p:nvSpPr>
+        <p:spPr>
+          <a:xfrm>
+            <a:off x="8935788" y="6488668"/>
+            <a:ext cx="3256212" cy="369332"/>
+          </a:xfrm>
+          <a:prstGeom prst="rect">
+            <a:avLst/>
+          </a:prstGeom>
+          <a:noFill/>
+        </p:spPr>
+        <p:txBody>
+          <a:bodyPr wrap="none" rtlCol="0">
+            <a:spAutoFit/>
+          </a:bodyPr>
+          <a:lstStyle/>
+          <a:p>
+            <a:r>
+              <a:rPr lang="en-US" dirty="0">
+                <a:hlinkClick r:id="rId4"/>
+              </a:rPr>
+              <a:t>Strategic Developments Example</a:t>
+            </a:r>
+            <a:endParaRPr lang="en-US" dirty="0"/>
+          </a:p>
+        </p:txBody>
+      </p:sp>
     </p:spTree>
     <p:extLst>
       <p:ext uri="{BB962C8B-B14F-4D97-AF65-F5344CB8AC3E}">
@@ -14739,6 +14834,84 @@
   <p:clrMapOvr>
     <a:masterClrMapping/>
   </p:clrMapOvr>
+  <p:timing>
+    <p:tnLst>
+      <p:par>
+        <p:cTn id="1" dur="indefinite" restart="never" nodeType="tmRoot">
+          <p:childTnLst>
+            <p:seq concurrent="1" nextAc="seek">
+              <p:cTn id="2" dur="indefinite" nodeType="mainSeq">
+                <p:childTnLst>
+                  <p:par>
+                    <p:cTn id="3" fill="hold">
+                      <p:stCondLst>
+                        <p:cond delay="indefinite"/>
+                      </p:stCondLst>
+                      <p:childTnLst>
+                        <p:par>
+                          <p:cTn id="4" fill="hold">
+                            <p:stCondLst>
+                              <p:cond delay="0"/>
+                            </p:stCondLst>
+                            <p:childTnLst>
+                              <p:par>
+                                <p:cTn id="5" presetID="1" presetClass="entr" presetSubtype="0" fill="hold" grpId="0" nodeType="clickEffect">
+                                  <p:stCondLst>
+                                    <p:cond delay="0"/>
+                                  </p:stCondLst>
+                                  <p:childTnLst>
+                                    <p:set>
+                                      <p:cBhvr>
+                                        <p:cTn id="6" dur="1" fill="hold">
+                                          <p:stCondLst>
+                                            <p:cond delay="0"/>
+                                          </p:stCondLst>
+                                        </p:cTn>
+                                        <p:tgtEl>
+                                          <p:spTgt spid="2"/>
+                                        </p:tgtEl>
+                                        <p:attrNameLst>
+                                          <p:attrName>style.visibility</p:attrName>
+                                        </p:attrNameLst>
+                                      </p:cBhvr>
+                                      <p:to>
+                                        <p:strVal val="visible"/>
+                                      </p:to>
+                                    </p:set>
+                                  </p:childTnLst>
+                                </p:cTn>
+                              </p:par>
+                            </p:childTnLst>
+                          </p:cTn>
+                        </p:par>
+                      </p:childTnLst>
+                    </p:cTn>
+                  </p:par>
+                </p:childTnLst>
+              </p:cTn>
+              <p:prevCondLst>
+                <p:cond evt="onPrev" delay="0">
+                  <p:tgtEl>
+                    <p:sldTgt/>
+                  </p:tgtEl>
+                </p:cond>
+              </p:prevCondLst>
+              <p:nextCondLst>
+                <p:cond evt="onNext" delay="0">
+                  <p:tgtEl>
+                    <p:sldTgt/>
+                  </p:tgtEl>
+                </p:cond>
+              </p:nextCondLst>
+            </p:seq>
+          </p:childTnLst>
+        </p:cTn>
+      </p:par>
+    </p:tnLst>
+    <p:bldLst>
+      <p:bldP spid="2" grpId="0"/>
+    </p:bldLst>
+  </p:timing>
 </p:sld>
 </file>
 
@@ -16400,8 +16573,8 @@
           </a:p>
         </p:txBody>
       </p:sp>
-      <mc:AlternateContent xmlns:mc="http://schemas.openxmlformats.org/markup-compatibility/2006">
-        <mc:Choice xmlns:a14="http://schemas.microsoft.com/office/drawing/2010/main" Requires="a14">
+      <mc:AlternateContent xmlns:mc="http://schemas.openxmlformats.org/markup-compatibility/2006" xmlns:a14="http://schemas.microsoft.com/office/drawing/2010/main">
+        <mc:Choice Requires="a14">
           <p:sp>
             <p:nvSpPr>
               <p:cNvPr id="4" name="TextBox 3">
@@ -16430,6 +16603,7 @@
               </a:bodyPr>
               <a:lstStyle/>
               <a:p>
+                <a:pPr/>
                 <a14:m>
                   <m:oMathPara xmlns:m="http://schemas.openxmlformats.org/officeDocument/2006/math">
                     <m:oMathParaPr>
@@ -16845,7 +17019,7 @@
             </p:txBody>
           </p:sp>
         </mc:Choice>
-        <mc:Fallback>
+        <mc:Fallback xmlns="">
           <p:sp>
             <p:nvSpPr>
               <p:cNvPr id="4" name="TextBox 3">
@@ -16890,8 +17064,8 @@
           </p:sp>
         </mc:Fallback>
       </mc:AlternateContent>
-      <mc:AlternateContent xmlns:mc="http://schemas.openxmlformats.org/markup-compatibility/2006">
-        <mc:Choice xmlns:a14="http://schemas.microsoft.com/office/drawing/2010/main" Requires="a14">
+      <mc:AlternateContent xmlns:mc="http://schemas.openxmlformats.org/markup-compatibility/2006" xmlns:a14="http://schemas.microsoft.com/office/drawing/2010/main">
+        <mc:Choice Requires="a14">
           <p:sp>
             <p:nvSpPr>
               <p:cNvPr id="5" name="Content Placeholder 2">
@@ -17200,7 +17374,7 @@
             </p:txBody>
           </p:sp>
         </mc:Choice>
-        <mc:Fallback>
+        <mc:Fallback xmlns="">
           <p:sp>
             <p:nvSpPr>
               <p:cNvPr id="5" name="Content Placeholder 2">
@@ -17593,8 +17767,8 @@
           </a:p>
         </p:txBody>
       </p:sp>
-      <mc:AlternateContent xmlns:mc="http://schemas.openxmlformats.org/markup-compatibility/2006">
-        <mc:Choice xmlns:a14="http://schemas.microsoft.com/office/drawing/2010/main" Requires="a14">
+      <mc:AlternateContent xmlns:mc="http://schemas.openxmlformats.org/markup-compatibility/2006" xmlns:a14="http://schemas.microsoft.com/office/drawing/2010/main">
+        <mc:Choice Requires="a14">
           <p:sp>
             <p:nvSpPr>
               <p:cNvPr id="4" name="TextBox 3">
@@ -17623,6 +17797,7 @@
               </a:bodyPr>
               <a:lstStyle/>
               <a:p>
+                <a:pPr/>
                 <a14:m>
                   <m:oMathPara xmlns:m="http://schemas.openxmlformats.org/officeDocument/2006/math">
                     <m:oMathParaPr>
@@ -17962,6 +18137,7 @@
                 </a:endParaRPr>
               </a:p>
               <a:p>
+                <a:pPr/>
                 <a14:m>
                   <m:oMathPara xmlns:m="http://schemas.openxmlformats.org/officeDocument/2006/math">
                     <m:oMathParaPr>
@@ -18081,7 +18257,7 @@
             </p:txBody>
           </p:sp>
         </mc:Choice>
-        <mc:Fallback>
+        <mc:Fallback xmlns="">
           <p:sp>
             <p:nvSpPr>
               <p:cNvPr id="4" name="TextBox 3">
@@ -18126,8 +18302,8 @@
           </p:sp>
         </mc:Fallback>
       </mc:AlternateContent>
-      <mc:AlternateContent xmlns:mc="http://schemas.openxmlformats.org/markup-compatibility/2006">
-        <mc:Choice xmlns:a14="http://schemas.microsoft.com/office/drawing/2010/main" Requires="a14">
+      <mc:AlternateContent xmlns:mc="http://schemas.openxmlformats.org/markup-compatibility/2006" xmlns:a14="http://schemas.microsoft.com/office/drawing/2010/main">
+        <mc:Choice Requires="a14">
           <p:sp>
             <p:nvSpPr>
               <p:cNvPr id="5" name="Content Placeholder 2">
@@ -18436,7 +18612,7 @@
             </p:txBody>
           </p:sp>
         </mc:Choice>
-        <mc:Fallback>
+        <mc:Fallback xmlns="">
           <p:sp>
             <p:nvSpPr>
               <p:cNvPr id="5" name="Content Placeholder 2">
